--- a/papers/LanguageMigration/figure/psd/figure.pptx
+++ b/papers/LanguageMigration/figure/psd/figure.pptx
@@ -203,7 +203,7 @@
             <a:fld id="{906AF79D-3DBA-4A91-9542-FECD0539814F}" type="datetimeFigureOut">
               <a:rPr lang="zh-CN" altLang="en-US" smtClean="0"/>
               <a:pPr/>
-              <a:t>2009-8-27</a:t>
+              <a:t>2009-9-2</a:t>
             </a:fld>
             <a:endParaRPr lang="zh-CN" altLang="en-US"/>
           </a:p>
@@ -464,7 +464,7 @@
             <a:fld id="{11653C24-B84C-4316-90CF-06DBB08C921A}" type="datetimeFigureOut">
               <a:rPr lang="zh-CN" altLang="en-US" smtClean="0"/>
               <a:pPr/>
-              <a:t>2009-8-27</a:t>
+              <a:t>2009-9-2</a:t>
             </a:fld>
             <a:endParaRPr lang="zh-CN" altLang="en-US"/>
           </a:p>
@@ -631,7 +631,7 @@
             <a:fld id="{11653C24-B84C-4316-90CF-06DBB08C921A}" type="datetimeFigureOut">
               <a:rPr lang="zh-CN" altLang="en-US" smtClean="0"/>
               <a:pPr/>
-              <a:t>2009-8-27</a:t>
+              <a:t>2009-9-2</a:t>
             </a:fld>
             <a:endParaRPr lang="zh-CN" altLang="en-US"/>
           </a:p>
@@ -808,7 +808,7 @@
             <a:fld id="{11653C24-B84C-4316-90CF-06DBB08C921A}" type="datetimeFigureOut">
               <a:rPr lang="zh-CN" altLang="en-US" smtClean="0"/>
               <a:pPr/>
-              <a:t>2009-8-27</a:t>
+              <a:t>2009-9-2</a:t>
             </a:fld>
             <a:endParaRPr lang="zh-CN" altLang="en-US"/>
           </a:p>
@@ -975,7 +975,7 @@
             <a:fld id="{11653C24-B84C-4316-90CF-06DBB08C921A}" type="datetimeFigureOut">
               <a:rPr lang="zh-CN" altLang="en-US" smtClean="0"/>
               <a:pPr/>
-              <a:t>2009-8-27</a:t>
+              <a:t>2009-9-2</a:t>
             </a:fld>
             <a:endParaRPr lang="zh-CN" altLang="en-US"/>
           </a:p>
@@ -1218,7 +1218,7 @@
             <a:fld id="{11653C24-B84C-4316-90CF-06DBB08C921A}" type="datetimeFigureOut">
               <a:rPr lang="zh-CN" altLang="en-US" smtClean="0"/>
               <a:pPr/>
-              <a:t>2009-8-27</a:t>
+              <a:t>2009-9-2</a:t>
             </a:fld>
             <a:endParaRPr lang="zh-CN" altLang="en-US"/>
           </a:p>
@@ -1503,7 +1503,7 @@
             <a:fld id="{11653C24-B84C-4316-90CF-06DBB08C921A}" type="datetimeFigureOut">
               <a:rPr lang="zh-CN" altLang="en-US" smtClean="0"/>
               <a:pPr/>
-              <a:t>2009-8-27</a:t>
+              <a:t>2009-9-2</a:t>
             </a:fld>
             <a:endParaRPr lang="zh-CN" altLang="en-US"/>
           </a:p>
@@ -1922,7 +1922,7 @@
             <a:fld id="{11653C24-B84C-4316-90CF-06DBB08C921A}" type="datetimeFigureOut">
               <a:rPr lang="zh-CN" altLang="en-US" smtClean="0"/>
               <a:pPr/>
-              <a:t>2009-8-27</a:t>
+              <a:t>2009-9-2</a:t>
             </a:fld>
             <a:endParaRPr lang="zh-CN" altLang="en-US"/>
           </a:p>
@@ -2037,7 +2037,7 @@
             <a:fld id="{11653C24-B84C-4316-90CF-06DBB08C921A}" type="datetimeFigureOut">
               <a:rPr lang="zh-CN" altLang="en-US" smtClean="0"/>
               <a:pPr/>
-              <a:t>2009-8-27</a:t>
+              <a:t>2009-9-2</a:t>
             </a:fld>
             <a:endParaRPr lang="zh-CN" altLang="en-US"/>
           </a:p>
@@ -2129,7 +2129,7 @@
             <a:fld id="{11653C24-B84C-4316-90CF-06DBB08C921A}" type="datetimeFigureOut">
               <a:rPr lang="zh-CN" altLang="en-US" smtClean="0"/>
               <a:pPr/>
-              <a:t>2009-8-27</a:t>
+              <a:t>2009-9-2</a:t>
             </a:fld>
             <a:endParaRPr lang="zh-CN" altLang="en-US"/>
           </a:p>
@@ -2403,7 +2403,7 @@
             <a:fld id="{11653C24-B84C-4316-90CF-06DBB08C921A}" type="datetimeFigureOut">
               <a:rPr lang="zh-CN" altLang="en-US" smtClean="0"/>
               <a:pPr/>
-              <a:t>2009-8-27</a:t>
+              <a:t>2009-9-2</a:t>
             </a:fld>
             <a:endParaRPr lang="zh-CN" altLang="en-US"/>
           </a:p>
@@ -2653,7 +2653,7 @@
             <a:fld id="{11653C24-B84C-4316-90CF-06DBB08C921A}" type="datetimeFigureOut">
               <a:rPr lang="zh-CN" altLang="en-US" smtClean="0"/>
               <a:pPr/>
-              <a:t>2009-8-27</a:t>
+              <a:t>2009-9-2</a:t>
             </a:fld>
             <a:endParaRPr lang="zh-CN" altLang="en-US"/>
           </a:p>
@@ -2863,7 +2863,7 @@
             <a:fld id="{11653C24-B84C-4316-90CF-06DBB08C921A}" type="datetimeFigureOut">
               <a:rPr lang="zh-CN" altLang="en-US" smtClean="0"/>
               <a:pPr/>
-              <a:t>2009-8-27</a:t>
+              <a:t>2009-9-2</a:t>
             </a:fld>
             <a:endParaRPr lang="zh-CN" altLang="en-US"/>
           </a:p>
@@ -12257,11 +12257,6 @@
               </a:rPr>
               <a:t>variable :</a:t>
             </a:r>
-            <a:endParaRPr lang="en-US" altLang="zh-CN" dirty="0" smtClean="0">
-              <a:solidFill>
-                <a:schemeClr val="tx1"/>
-              </a:solidFill>
-            </a:endParaRPr>
           </a:p>
           <a:p>
             <a:pPr algn="ctr">
@@ -12593,8 +12588,8 @@
         </p:nvSpPr>
         <p:spPr>
           <a:xfrm>
-            <a:off x="1396728" y="1214422"/>
-            <a:ext cx="2707206" cy="428628"/>
+            <a:off x="1272902" y="1214422"/>
+            <a:ext cx="2960958" cy="428628"/>
           </a:xfrm>
           <a:prstGeom prst="rect">
             <a:avLst/>
@@ -12643,6 +12638,22 @@
                   <a:schemeClr val="tx1"/>
                 </a:solidFill>
               </a:rPr>
+              <a:t>. </a:t>
+            </a:r>
+            <a:r>
+              <a:rPr lang="en-US" altLang="zh-CN" dirty="0" err="1" smtClean="0">
+                <a:solidFill>
+                  <a:schemeClr val="tx1"/>
+                </a:solidFill>
+              </a:rPr>
+              <a:t>FileInfo</a:t>
+            </a:r>
+            <a:r>
+              <a:rPr lang="en-US" altLang="zh-CN" dirty="0" smtClean="0">
+                <a:solidFill>
+                  <a:schemeClr val="tx1"/>
+                </a:solidFill>
+              </a:rPr>
               <a:t>()</a:t>
             </a:r>
             <a:endParaRPr lang="zh-CN" altLang="en-US" dirty="0">
@@ -12904,7 +12915,15 @@
                   <a:schemeClr val="tx1"/>
                 </a:solidFill>
               </a:rPr>
-              <a:t> ()</a:t>
+              <a:t> </a:t>
+            </a:r>
+            <a:r>
+              <a:rPr lang="en-US" altLang="zh-CN" dirty="0" smtClean="0">
+                <a:solidFill>
+                  <a:schemeClr val="tx1"/>
+                </a:solidFill>
+              </a:rPr>
+              <a:t>()</a:t>
             </a:r>
             <a:endParaRPr lang="zh-CN" altLang="en-US" dirty="0">
               <a:solidFill>
@@ -20156,11 +20175,6 @@
               </a:rPr>
               <a:t>variable:</a:t>
             </a:r>
-            <a:endParaRPr lang="en-US" altLang="zh-CN" sz="1000" dirty="0" smtClean="0">
-              <a:solidFill>
-                <a:schemeClr val="tx1"/>
-              </a:solidFill>
-            </a:endParaRPr>
           </a:p>
           <a:p>
             <a:pPr algn="ctr">
@@ -20390,11 +20404,6 @@
               </a:rPr>
               <a:t>variable :</a:t>
             </a:r>
-            <a:endParaRPr lang="en-US" altLang="zh-CN" sz="1000" dirty="0" smtClean="0">
-              <a:solidFill>
-                <a:schemeClr val="tx1"/>
-              </a:solidFill>
-            </a:endParaRPr>
           </a:p>
           <a:p>
             <a:pPr algn="ctr">
@@ -20569,6 +20578,14 @@
                 </a:solidFill>
               </a:rPr>
               <a:t>System.IO.FileInfo</a:t>
+            </a:r>
+            <a:r>
+              <a:rPr lang="en-US" altLang="zh-CN" sz="1000" dirty="0" err="1" smtClean="0">
+                <a:solidFill>
+                  <a:schemeClr val="tx1"/>
+                </a:solidFill>
+              </a:rPr>
+              <a:t>.FileInfo</a:t>
             </a:r>
             <a:r>
               <a:rPr lang="en-US" altLang="zh-CN" sz="1000" dirty="0" smtClean="0">
